--- a/SmartX-Mini-MOOC Collection/Experiment/Lab-2. Inter-Connect/Lab#2_InterConnect_v2R6.pptx
+++ b/SmartX-Mini-MOOC Collection/Experiment/Lab-2. Inter-Connect/Lab#2_InterConnect_v2R6.pptx
@@ -288,7 +288,7 @@
           <a:p>
             <a:fld id="{FEB44B81-7631-457E-A596-491E28653BED}" type="datetimeFigureOut">
               <a:rPr lang="ko-KR" altLang="en-US" smtClean="0"/>
-              <a:t>2019-07-23</a:t>
+              <a:t>2019-07-24</a:t>
             </a:fld>
             <a:endParaRPr lang="ko-KR" altLang="en-US"/>
           </a:p>
@@ -458,7 +458,7 @@
           <a:p>
             <a:fld id="{FEB44B81-7631-457E-A596-491E28653BED}" type="datetimeFigureOut">
               <a:rPr lang="ko-KR" altLang="en-US" smtClean="0"/>
-              <a:t>2019-07-23</a:t>
+              <a:t>2019-07-24</a:t>
             </a:fld>
             <a:endParaRPr lang="ko-KR" altLang="en-US"/>
           </a:p>
@@ -780,7 +780,7 @@
           <a:p>
             <a:fld id="{FEB44B81-7631-457E-A596-491E28653BED}" type="datetimeFigureOut">
               <a:rPr lang="ko-KR" altLang="en-US" smtClean="0"/>
-              <a:t>2019-07-23</a:t>
+              <a:t>2019-07-24</a:t>
             </a:fld>
             <a:endParaRPr lang="ko-KR" altLang="en-US"/>
           </a:p>
@@ -1092,7 +1092,7 @@
           <a:p>
             <a:fld id="{FEB44B81-7631-457E-A596-491E28653BED}" type="datetimeFigureOut">
               <a:rPr lang="ko-KR" altLang="en-US" smtClean="0"/>
-              <a:t>2019-07-23</a:t>
+              <a:t>2019-07-24</a:t>
             </a:fld>
             <a:endParaRPr lang="ko-KR" altLang="en-US"/>
           </a:p>
@@ -1478,7 +1478,7 @@
           <a:p>
             <a:fld id="{FEB44B81-7631-457E-A596-491E28653BED}" type="datetimeFigureOut">
               <a:rPr lang="ko-KR" altLang="en-US" smtClean="0"/>
-              <a:t>2019-07-23</a:t>
+              <a:t>2019-07-24</a:t>
             </a:fld>
             <a:endParaRPr lang="ko-KR" altLang="en-US"/>
           </a:p>
@@ -1852,7 +1852,7 @@
           <a:p>
             <a:fld id="{FEB44B81-7631-457E-A596-491E28653BED}" type="datetimeFigureOut">
               <a:rPr lang="ko-KR" altLang="en-US" smtClean="0"/>
-              <a:t>2019-07-23</a:t>
+              <a:t>2019-07-24</a:t>
             </a:fld>
             <a:endParaRPr lang="ko-KR" altLang="en-US"/>
           </a:p>
@@ -2361,7 +2361,7 @@
           <a:p>
             <a:fld id="{FEB44B81-7631-457E-A596-491E28653BED}" type="datetimeFigureOut">
               <a:rPr lang="ko-KR" altLang="en-US" smtClean="0"/>
-              <a:t>2019-07-23</a:t>
+              <a:t>2019-07-24</a:t>
             </a:fld>
             <a:endParaRPr lang="ko-KR" altLang="en-US"/>
           </a:p>
@@ -2621,7 +2621,7 @@
           <a:p>
             <a:fld id="{FEB44B81-7631-457E-A596-491E28653BED}" type="datetimeFigureOut">
               <a:rPr lang="ko-KR" altLang="en-US" smtClean="0"/>
-              <a:t>2019-07-23</a:t>
+              <a:t>2019-07-24</a:t>
             </a:fld>
             <a:endParaRPr lang="ko-KR" altLang="en-US"/>
           </a:p>
@@ -2858,7 +2858,7 @@
           <a:p>
             <a:fld id="{FEB44B81-7631-457E-A596-491E28653BED}" type="datetimeFigureOut">
               <a:rPr lang="ko-KR" altLang="en-US" smtClean="0"/>
-              <a:t>2019-07-23</a:t>
+              <a:t>2019-07-24</a:t>
             </a:fld>
             <a:endParaRPr lang="ko-KR" altLang="en-US"/>
           </a:p>
@@ -3277,7 +3277,7 @@
           <a:p>
             <a:fld id="{FEB44B81-7631-457E-A596-491E28653BED}" type="datetimeFigureOut">
               <a:rPr lang="ko-KR" altLang="en-US" smtClean="0"/>
-              <a:t>2019-07-23</a:t>
+              <a:t>2019-07-24</a:t>
             </a:fld>
             <a:endParaRPr lang="ko-KR" altLang="en-US"/>
           </a:p>
@@ -3676,7 +3676,7 @@
           <a:p>
             <a:fld id="{FEB44B81-7631-457E-A596-491E28653BED}" type="datetimeFigureOut">
               <a:rPr lang="ko-KR" altLang="en-US" smtClean="0"/>
-              <a:t>2019-07-23</a:t>
+              <a:t>2019-07-24</a:t>
             </a:fld>
             <a:endParaRPr lang="ko-KR" altLang="en-US"/>
           </a:p>
@@ -4031,7 +4031,7 @@
           <a:p>
             <a:fld id="{FEB44B81-7631-457E-A596-491E28653BED}" type="datetimeFigureOut">
               <a:rPr lang="ko-KR" altLang="en-US" smtClean="0"/>
-              <a:t>2019-07-23</a:t>
+              <a:t>2019-07-24</a:t>
             </a:fld>
             <a:endParaRPr lang="ko-KR" altLang="en-US"/>
           </a:p>
@@ -41567,17 +41567,7 @@
                 <a:latin typeface="맑은 고딕 (본문)"/>
                 <a:ea typeface="나눔고딕코딩" panose="020D0009000000000000" pitchFamily="49" charset="-127"/>
               </a:rPr>
-              <a:t>rpi-raspbian:</a:t>
-            </a:r>
-            <a:r>
-              <a:rPr lang="en-US" altLang="ko-KR" sz="1600" dirty="0" err="1" smtClean="0">
-                <a:solidFill>
-                  <a:srgbClr val="FF0000"/>
-                </a:solidFill>
-                <a:latin typeface="맑은 고딕 (본문)"/>
-                <a:ea typeface="나눔고딕코딩" panose="020D0009000000000000" pitchFamily="49" charset="-127"/>
-              </a:rPr>
-              <a:t>wheezy</a:t>
+              <a:t>rpi-raspbian:wheezy</a:t>
             </a:r>
             <a:r>
               <a:rPr lang="en-US" altLang="ko-KR" sz="1600" dirty="0" smtClean="0">
@@ -41642,10 +41632,10 @@
                 <a:ea typeface="나눔고딕코딩" panose="020D0009000000000000" pitchFamily="49" charset="-127"/>
                 <a:sym typeface="Wingdings" pitchFamily="2" charset="2"/>
               </a:rPr>
-              <a:t>   	[1</a:t>
-            </a:r>
-            <a:r>
-              <a:rPr lang="en-US" altLang="ko-KR" sz="1600" baseline="30000" dirty="0" smtClean="0">
+              <a:t>	</a:t>
+            </a:r>
+            <a:r>
+              <a:rPr lang="en-US" altLang="ko-KR" sz="1600" dirty="0" smtClean="0">
                 <a:solidFill>
                   <a:srgbClr val="FF0000"/>
                 </a:solidFill>
@@ -41653,10 +41643,10 @@
                 <a:ea typeface="나눔고딕코딩" panose="020D0009000000000000" pitchFamily="49" charset="-127"/>
                 <a:sym typeface="Wingdings" pitchFamily="2" charset="2"/>
               </a:rPr>
-              <a:t>st</a:t>
-            </a:r>
-            <a:r>
-              <a:rPr lang="en-US" altLang="ko-KR" sz="1600" dirty="0" smtClean="0">
+              <a:t>[1</a:t>
+            </a:r>
+            <a:r>
+              <a:rPr lang="en-US" altLang="ko-KR" sz="1600" baseline="30000" dirty="0" smtClean="0">
                 <a:solidFill>
                   <a:srgbClr val="FF0000"/>
                 </a:solidFill>
@@ -41664,7 +41654,29 @@
                 <a:ea typeface="나눔고딕코딩" panose="020D0009000000000000" pitchFamily="49" charset="-127"/>
                 <a:sym typeface="Wingdings" pitchFamily="2" charset="2"/>
               </a:rPr>
-              <a:t> line]</a:t>
+              <a:t>st</a:t>
+            </a:r>
+            <a:r>
+              <a:rPr lang="en-US" altLang="ko-KR" sz="1600" dirty="0" smtClean="0">
+                <a:solidFill>
+                  <a:srgbClr val="FF0000"/>
+                </a:solidFill>
+                <a:latin typeface="맑은 고딕 (본문)"/>
+                <a:ea typeface="나눔고딕코딩" panose="020D0009000000000000" pitchFamily="49" charset="-127"/>
+                <a:sym typeface="Wingdings" pitchFamily="2" charset="2"/>
+              </a:rPr>
+              <a:t> </a:t>
+            </a:r>
+            <a:r>
+              <a:rPr lang="en-US" altLang="ko-KR" sz="1600" dirty="0" smtClean="0">
+                <a:solidFill>
+                  <a:srgbClr val="FF0000"/>
+                </a:solidFill>
+                <a:latin typeface="맑은 고딕 (본문)"/>
+                <a:ea typeface="나눔고딕코딩" panose="020D0009000000000000" pitchFamily="49" charset="-127"/>
+                <a:sym typeface="Wingdings" pitchFamily="2" charset="2"/>
+              </a:rPr>
+              <a:t>line]</a:t>
             </a:r>
           </a:p>
           <a:p>
@@ -41713,10 +41725,10 @@
                 <a:ea typeface="나눔고딕코딩" panose="020D0009000000000000" pitchFamily="49" charset="-127"/>
                 <a:sym typeface="Wingdings" pitchFamily="2" charset="2"/>
               </a:rPr>
-              <a:t>  iproute2					[6</a:t>
-            </a:r>
-            <a:r>
-              <a:rPr lang="en-US" altLang="ko-KR" sz="1600" baseline="30000" dirty="0" smtClean="0">
+              <a:t>  </a:t>
+            </a:r>
+            <a:r>
+              <a:rPr lang="en-US" altLang="ko-KR" sz="1600" dirty="0" smtClean="0">
                 <a:solidFill>
                   <a:srgbClr val="FF0000"/>
                 </a:solidFill>
@@ -41724,7 +41736,7 @@
                 <a:ea typeface="나눔고딕코딩" panose="020D0009000000000000" pitchFamily="49" charset="-127"/>
                 <a:sym typeface="Wingdings" pitchFamily="2" charset="2"/>
               </a:rPr>
-              <a:t>th</a:t>
+              <a:t>iproute2</a:t>
             </a:r>
             <a:r>
               <a:rPr lang="en-US" altLang="ko-KR" sz="1600" dirty="0" smtClean="0">
@@ -41735,16 +41747,52 @@
                 <a:ea typeface="나눔고딕코딩" panose="020D0009000000000000" pitchFamily="49" charset="-127"/>
                 <a:sym typeface="Wingdings" pitchFamily="2" charset="2"/>
               </a:rPr>
-              <a:t> line]</a:t>
-            </a:r>
-            <a:endParaRPr lang="en-US" altLang="ko-KR" sz="1600" dirty="0" smtClean="0">
-              <a:solidFill>
-                <a:srgbClr val="FF0000"/>
-              </a:solidFill>
-              <a:latin typeface="맑은 고딕 (본문)"/>
-              <a:ea typeface="나눔고딕코딩" panose="020D0009000000000000" pitchFamily="49" charset="-127"/>
-              <a:sym typeface="Wingdings" pitchFamily="2" charset="2"/>
-            </a:endParaRPr>
+              <a:t>	</a:t>
+            </a:r>
+            <a:r>
+              <a:rPr lang="en-US" altLang="ko-KR" sz="1600" dirty="0" smtClean="0">
+                <a:solidFill>
+                  <a:srgbClr val="FF0000"/>
+                </a:solidFill>
+                <a:latin typeface="맑은 고딕 (본문)"/>
+                <a:ea typeface="나눔고딕코딩" panose="020D0009000000000000" pitchFamily="49" charset="-127"/>
+                <a:sym typeface="Wingdings" pitchFamily="2" charset="2"/>
+              </a:rPr>
+              <a:t>[6</a:t>
+            </a:r>
+            <a:r>
+              <a:rPr lang="en-US" altLang="ko-KR" sz="1600" baseline="30000" dirty="0" smtClean="0">
+                <a:solidFill>
+                  <a:srgbClr val="FF0000"/>
+                </a:solidFill>
+                <a:latin typeface="맑은 고딕 (본문)"/>
+                <a:ea typeface="나눔고딕코딩" panose="020D0009000000000000" pitchFamily="49" charset="-127"/>
+                <a:sym typeface="Wingdings" pitchFamily="2" charset="2"/>
+              </a:rPr>
+              <a:t>th</a:t>
+            </a:r>
+            <a:r>
+              <a:rPr lang="en-US" altLang="ko-KR" sz="1600" dirty="0" smtClean="0">
+                <a:solidFill>
+                  <a:srgbClr val="FF0000"/>
+                </a:solidFill>
+                <a:latin typeface="맑은 고딕 (본문)"/>
+                <a:ea typeface="나눔고딕코딩" panose="020D0009000000000000" pitchFamily="49" charset="-127"/>
+                <a:sym typeface="Wingdings" pitchFamily="2" charset="2"/>
+              </a:rPr>
+              <a:t> </a:t>
+            </a:r>
+            <a:r>
+              <a:rPr lang="en-US" altLang="ko-KR" sz="1600" dirty="0" smtClean="0">
+                <a:solidFill>
+                  <a:srgbClr val="FF0000"/>
+                </a:solidFill>
+                <a:latin typeface="맑은 고딕 (본문)"/>
+                <a:ea typeface="나눔고딕코딩" panose="020D0009000000000000" pitchFamily="49" charset="-127"/>
+                <a:sym typeface="Wingdings" pitchFamily="2" charset="2"/>
+              </a:rPr>
+              <a:t>line]</a:t>
+            </a:r>
           </a:p>
           <a:p>
             <a:pPr marL="457200" lvl="1" indent="0">
